--- a/Results.pptx
+++ b/Results.pptx
@@ -6,7 +6,20 @@
   </p:sldMasterIdLst>
   <p:sldIdLst>
     <p:sldId id="256" r:id="rId2"/>
-    <p:sldId id="257" r:id="rId3"/>
+    <p:sldId id="271" r:id="rId3"/>
+    <p:sldId id="258" r:id="rId4"/>
+    <p:sldId id="257" r:id="rId5"/>
+    <p:sldId id="259" r:id="rId6"/>
+    <p:sldId id="266" r:id="rId7"/>
+    <p:sldId id="267" r:id="rId8"/>
+    <p:sldId id="268" r:id="rId9"/>
+    <p:sldId id="269" r:id="rId10"/>
+    <p:sldId id="270" r:id="rId11"/>
+    <p:sldId id="260" r:id="rId12"/>
+    <p:sldId id="262" r:id="rId13"/>
+    <p:sldId id="263" r:id="rId14"/>
+    <p:sldId id="264" r:id="rId15"/>
+    <p:sldId id="265" r:id="rId16"/>
   </p:sldIdLst>
   <p:sldSz cx="12192000" cy="6858000"/>
   <p:notesSz cx="6858000" cy="9144000"/>
@@ -106,6 +119,37 @@
     </a:lvl9pPr>
   </p:defaultTextStyle>
   <p:extLst>
+    <p:ext uri="{521415D9-36F7-43E2-AB2F-B90AF26B5E84}">
+      <p14:sectionLst xmlns:p14="http://schemas.microsoft.com/office/powerpoint/2010/main">
+        <p14:section name="기본 구역" id="{F4A9D645-C0B4-400A-9DD8-428DE6030304}">
+          <p14:sldIdLst>
+            <p14:sldId id="256"/>
+            <p14:sldId id="271"/>
+            <p14:sldId id="258"/>
+            <p14:sldId id="257"/>
+            <p14:sldId id="259"/>
+          </p14:sldIdLst>
+        </p14:section>
+        <p14:section name="TCGA_READ" id="{97DC79A9-0205-403B-8451-17405F44A837}">
+          <p14:sldIdLst>
+            <p14:sldId id="266"/>
+            <p14:sldId id="267"/>
+            <p14:sldId id="268"/>
+            <p14:sldId id="269"/>
+            <p14:sldId id="270"/>
+          </p14:sldIdLst>
+        </p14:section>
+        <p14:section name="TCGA_COAD" id="{6998F34F-0163-464B-854D-371C2DB2EEE5}">
+          <p14:sldIdLst>
+            <p14:sldId id="260"/>
+            <p14:sldId id="262"/>
+            <p14:sldId id="263"/>
+            <p14:sldId id="264"/>
+            <p14:sldId id="265"/>
+          </p14:sldIdLst>
+        </p14:section>
+      </p14:sectionLst>
+    </p:ext>
     <p:ext uri="{EFAFB233-063F-42B5-8137-9DF3F51BA10A}">
       <p15:sldGuideLst xmlns:p15="http://schemas.microsoft.com/office/powerpoint/2012/main">
         <p15:guide id="1" orient="horz" pos="2160" userDrawn="1">
@@ -271,7 +315,7 @@
           <a:p>
             <a:fld id="{C1040D4B-1531-4C7A-BA2D-8A5696B01153}" type="datetimeFigureOut">
               <a:rPr lang="ko-KR" altLang="en-US" smtClean="0"/>
-              <a:t>2019-05-15</a:t>
+              <a:t>2019-05-19</a:t>
             </a:fld>
             <a:endParaRPr lang="ko-KR" altLang="en-US"/>
           </a:p>
@@ -469,7 +513,7 @@
           <a:p>
             <a:fld id="{C1040D4B-1531-4C7A-BA2D-8A5696B01153}" type="datetimeFigureOut">
               <a:rPr lang="ko-KR" altLang="en-US" smtClean="0"/>
-              <a:t>2019-05-15</a:t>
+              <a:t>2019-05-19</a:t>
             </a:fld>
             <a:endParaRPr lang="ko-KR" altLang="en-US"/>
           </a:p>
@@ -677,7 +721,7 @@
           <a:p>
             <a:fld id="{C1040D4B-1531-4C7A-BA2D-8A5696B01153}" type="datetimeFigureOut">
               <a:rPr lang="ko-KR" altLang="en-US" smtClean="0"/>
-              <a:t>2019-05-15</a:t>
+              <a:t>2019-05-19</a:t>
             </a:fld>
             <a:endParaRPr lang="ko-KR" altLang="en-US"/>
           </a:p>
@@ -875,7 +919,7 @@
           <a:p>
             <a:fld id="{C1040D4B-1531-4C7A-BA2D-8A5696B01153}" type="datetimeFigureOut">
               <a:rPr lang="ko-KR" altLang="en-US" smtClean="0"/>
-              <a:t>2019-05-15</a:t>
+              <a:t>2019-05-19</a:t>
             </a:fld>
             <a:endParaRPr lang="ko-KR" altLang="en-US"/>
           </a:p>
@@ -1150,7 +1194,7 @@
           <a:p>
             <a:fld id="{C1040D4B-1531-4C7A-BA2D-8A5696B01153}" type="datetimeFigureOut">
               <a:rPr lang="ko-KR" altLang="en-US" smtClean="0"/>
-              <a:t>2019-05-15</a:t>
+              <a:t>2019-05-19</a:t>
             </a:fld>
             <a:endParaRPr lang="ko-KR" altLang="en-US"/>
           </a:p>
@@ -1415,7 +1459,7 @@
           <a:p>
             <a:fld id="{C1040D4B-1531-4C7A-BA2D-8A5696B01153}" type="datetimeFigureOut">
               <a:rPr lang="ko-KR" altLang="en-US" smtClean="0"/>
-              <a:t>2019-05-15</a:t>
+              <a:t>2019-05-19</a:t>
             </a:fld>
             <a:endParaRPr lang="ko-KR" altLang="en-US"/>
           </a:p>
@@ -1827,7 +1871,7 @@
           <a:p>
             <a:fld id="{C1040D4B-1531-4C7A-BA2D-8A5696B01153}" type="datetimeFigureOut">
               <a:rPr lang="ko-KR" altLang="en-US" smtClean="0"/>
-              <a:t>2019-05-15</a:t>
+              <a:t>2019-05-19</a:t>
             </a:fld>
             <a:endParaRPr lang="ko-KR" altLang="en-US"/>
           </a:p>
@@ -1968,7 +2012,7 @@
           <a:p>
             <a:fld id="{C1040D4B-1531-4C7A-BA2D-8A5696B01153}" type="datetimeFigureOut">
               <a:rPr lang="ko-KR" altLang="en-US" smtClean="0"/>
-              <a:t>2019-05-15</a:t>
+              <a:t>2019-05-19</a:t>
             </a:fld>
             <a:endParaRPr lang="ko-KR" altLang="en-US"/>
           </a:p>
@@ -2081,7 +2125,7 @@
           <a:p>
             <a:fld id="{C1040D4B-1531-4C7A-BA2D-8A5696B01153}" type="datetimeFigureOut">
               <a:rPr lang="ko-KR" altLang="en-US" smtClean="0"/>
-              <a:t>2019-05-15</a:t>
+              <a:t>2019-05-19</a:t>
             </a:fld>
             <a:endParaRPr lang="ko-KR" altLang="en-US"/>
           </a:p>
@@ -2392,7 +2436,7 @@
           <a:p>
             <a:fld id="{C1040D4B-1531-4C7A-BA2D-8A5696B01153}" type="datetimeFigureOut">
               <a:rPr lang="ko-KR" altLang="en-US" smtClean="0"/>
-              <a:t>2019-05-15</a:t>
+              <a:t>2019-05-19</a:t>
             </a:fld>
             <a:endParaRPr lang="ko-KR" altLang="en-US"/>
           </a:p>
@@ -2680,7 +2724,7 @@
           <a:p>
             <a:fld id="{C1040D4B-1531-4C7A-BA2D-8A5696B01153}" type="datetimeFigureOut">
               <a:rPr lang="ko-KR" altLang="en-US" smtClean="0"/>
-              <a:t>2019-05-15</a:t>
+              <a:t>2019-05-19</a:t>
             </a:fld>
             <a:endParaRPr lang="ko-KR" altLang="en-US"/>
           </a:p>
@@ -2921,7 +2965,7 @@
           <a:p>
             <a:fld id="{C1040D4B-1531-4C7A-BA2D-8A5696B01153}" type="datetimeFigureOut">
               <a:rPr lang="ko-KR" altLang="en-US" smtClean="0"/>
-              <a:t>2019-05-15</a:t>
+              <a:t>2019-05-19</a:t>
             </a:fld>
             <a:endParaRPr lang="ko-KR" altLang="en-US"/>
           </a:p>
@@ -3405,7 +3449,836 @@
 </p:sld>
 </file>
 
+<file path=ppt/slides/slide10.xml><?xml version="1.0" encoding="utf-8"?>
+<p:sld xmlns:a="http://schemas.openxmlformats.org/drawingml/2006/main" xmlns:r="http://schemas.openxmlformats.org/officeDocument/2006/relationships" xmlns:p="http://schemas.openxmlformats.org/presentationml/2006/main">
+  <p:cSld>
+    <p:spTree>
+      <p:nvGrpSpPr>
+        <p:cNvPr id="1" name=""/>
+        <p:cNvGrpSpPr/>
+        <p:nvPr/>
+      </p:nvGrpSpPr>
+      <p:grpSpPr>
+        <a:xfrm>
+          <a:off x="0" y="0"/>
+          <a:ext cx="0" cy="0"/>
+          <a:chOff x="0" y="0"/>
+          <a:chExt cx="0" cy="0"/>
+        </a:xfrm>
+      </p:grpSpPr>
+      <p:sp>
+        <p:nvSpPr>
+          <p:cNvPr id="2" name="제목 1">
+            <a:extLst>
+              <a:ext uri="{FF2B5EF4-FFF2-40B4-BE49-F238E27FC236}">
+                <a16:creationId xmlns:a16="http://schemas.microsoft.com/office/drawing/2014/main" id="{FC5F0708-2AD5-45BE-920C-17B288AF1482}"/>
+              </a:ext>
+            </a:extLst>
+          </p:cNvPr>
+          <p:cNvSpPr>
+            <a:spLocks noGrp="1"/>
+          </p:cNvSpPr>
+          <p:nvPr>
+            <p:ph type="title"/>
+          </p:nvPr>
+        </p:nvSpPr>
+        <p:spPr/>
+        <p:txBody>
+          <a:bodyPr/>
+          <a:lstStyle/>
+          <a:p>
+            <a:r>
+              <a:rPr lang="en-US" altLang="ko-KR" dirty="0"/>
+              <a:t>TCGA rectal data</a:t>
+            </a:r>
+            <a:endParaRPr lang="ko-KR" altLang="en-US" dirty="0"/>
+          </a:p>
+        </p:txBody>
+      </p:sp>
+      <p:pic>
+        <p:nvPicPr>
+          <p:cNvPr id="3" name="그림 2">
+            <a:extLst>
+              <a:ext uri="{FF2B5EF4-FFF2-40B4-BE49-F238E27FC236}">
+                <a16:creationId xmlns:a16="http://schemas.microsoft.com/office/drawing/2014/main" id="{AFF868F1-C017-4F28-A172-FA3BD3AF50B7}"/>
+              </a:ext>
+            </a:extLst>
+          </p:cNvPr>
+          <p:cNvPicPr>
+            <a:picLocks noChangeAspect="1"/>
+          </p:cNvPicPr>
+          <p:nvPr/>
+        </p:nvPicPr>
+        <p:blipFill>
+          <a:blip r:embed="rId2"/>
+          <a:stretch>
+            <a:fillRect/>
+          </a:stretch>
+        </p:blipFill>
+        <p:spPr>
+          <a:xfrm>
+            <a:off x="158620" y="1690687"/>
+            <a:ext cx="6058425" cy="4115157"/>
+          </a:xfrm>
+          <a:prstGeom prst="rect">
+            <a:avLst/>
+          </a:prstGeom>
+        </p:spPr>
+      </p:pic>
+      <p:pic>
+        <p:nvPicPr>
+          <p:cNvPr id="4" name="그림 3">
+            <a:extLst>
+              <a:ext uri="{FF2B5EF4-FFF2-40B4-BE49-F238E27FC236}">
+                <a16:creationId xmlns:a16="http://schemas.microsoft.com/office/drawing/2014/main" id="{019E904F-23ED-4311-A31D-30CB5FBAF0E6}"/>
+              </a:ext>
+            </a:extLst>
+          </p:cNvPr>
+          <p:cNvPicPr>
+            <a:picLocks noChangeAspect="1"/>
+          </p:cNvPicPr>
+          <p:nvPr/>
+        </p:nvPicPr>
+        <p:blipFill>
+          <a:blip r:embed="rId3"/>
+          <a:stretch>
+            <a:fillRect/>
+          </a:stretch>
+        </p:blipFill>
+        <p:spPr>
+          <a:xfrm>
+            <a:off x="6096000" y="1690687"/>
+            <a:ext cx="6058425" cy="4115157"/>
+          </a:xfrm>
+          <a:prstGeom prst="rect">
+            <a:avLst/>
+          </a:prstGeom>
+        </p:spPr>
+      </p:pic>
+    </p:spTree>
+    <p:extLst>
+      <p:ext uri="{BB962C8B-B14F-4D97-AF65-F5344CB8AC3E}">
+        <p14:creationId xmlns:p14="http://schemas.microsoft.com/office/powerpoint/2010/main" val="4104063681"/>
+      </p:ext>
+    </p:extLst>
+  </p:cSld>
+  <p:clrMapOvr>
+    <a:masterClrMapping/>
+  </p:clrMapOvr>
+</p:sld>
+</file>
+
+<file path=ppt/slides/slide11.xml><?xml version="1.0" encoding="utf-8"?>
+<p:sld xmlns:a="http://schemas.openxmlformats.org/drawingml/2006/main" xmlns:r="http://schemas.openxmlformats.org/officeDocument/2006/relationships" xmlns:p="http://schemas.openxmlformats.org/presentationml/2006/main">
+  <p:cSld>
+    <p:spTree>
+      <p:nvGrpSpPr>
+        <p:cNvPr id="1" name=""/>
+        <p:cNvGrpSpPr/>
+        <p:nvPr/>
+      </p:nvGrpSpPr>
+      <p:grpSpPr>
+        <a:xfrm>
+          <a:off x="0" y="0"/>
+          <a:ext cx="0" cy="0"/>
+          <a:chOff x="0" y="0"/>
+          <a:chExt cx="0" cy="0"/>
+        </a:xfrm>
+      </p:grpSpPr>
+      <p:sp>
+        <p:nvSpPr>
+          <p:cNvPr id="2" name="제목 1">
+            <a:extLst>
+              <a:ext uri="{FF2B5EF4-FFF2-40B4-BE49-F238E27FC236}">
+                <a16:creationId xmlns:a16="http://schemas.microsoft.com/office/drawing/2014/main" id="{FC5F0708-2AD5-45BE-920C-17B288AF1482}"/>
+              </a:ext>
+            </a:extLst>
+          </p:cNvPr>
+          <p:cNvSpPr>
+            <a:spLocks noGrp="1"/>
+          </p:cNvSpPr>
+          <p:nvPr>
+            <p:ph type="title"/>
+          </p:nvPr>
+        </p:nvSpPr>
+        <p:spPr/>
+        <p:txBody>
+          <a:bodyPr/>
+          <a:lstStyle/>
+          <a:p>
+            <a:r>
+              <a:rPr lang="en-US" altLang="ko-KR" dirty="0"/>
+              <a:t>TCGA colon data</a:t>
+            </a:r>
+            <a:endParaRPr lang="ko-KR" altLang="en-US" dirty="0"/>
+          </a:p>
+        </p:txBody>
+      </p:sp>
+      <p:sp>
+        <p:nvSpPr>
+          <p:cNvPr id="5" name="내용 개체 틀 4">
+            <a:extLst>
+              <a:ext uri="{FF2B5EF4-FFF2-40B4-BE49-F238E27FC236}">
+                <a16:creationId xmlns:a16="http://schemas.microsoft.com/office/drawing/2014/main" id="{28F56A9F-2B53-4D9A-8960-B468B2AB7C48}"/>
+              </a:ext>
+            </a:extLst>
+          </p:cNvPr>
+          <p:cNvSpPr>
+            <a:spLocks noGrp="1"/>
+          </p:cNvSpPr>
+          <p:nvPr>
+            <p:ph idx="1"/>
+          </p:nvPr>
+        </p:nvSpPr>
+        <p:spPr/>
+        <p:txBody>
+          <a:bodyPr/>
+          <a:lstStyle/>
+          <a:p>
+            <a:endParaRPr lang="ko-KR" altLang="en-US"/>
+          </a:p>
+        </p:txBody>
+      </p:sp>
+    </p:spTree>
+    <p:extLst>
+      <p:ext uri="{BB962C8B-B14F-4D97-AF65-F5344CB8AC3E}">
+        <p14:creationId xmlns:p14="http://schemas.microsoft.com/office/powerpoint/2010/main" val="621728950"/>
+      </p:ext>
+    </p:extLst>
+  </p:cSld>
+  <p:clrMapOvr>
+    <a:masterClrMapping/>
+  </p:clrMapOvr>
+</p:sld>
+</file>
+
+<file path=ppt/slides/slide12.xml><?xml version="1.0" encoding="utf-8"?>
+<p:sld xmlns:a="http://schemas.openxmlformats.org/drawingml/2006/main" xmlns:r="http://schemas.openxmlformats.org/officeDocument/2006/relationships" xmlns:p="http://schemas.openxmlformats.org/presentationml/2006/main">
+  <p:cSld>
+    <p:spTree>
+      <p:nvGrpSpPr>
+        <p:cNvPr id="1" name=""/>
+        <p:cNvGrpSpPr/>
+        <p:nvPr/>
+      </p:nvGrpSpPr>
+      <p:grpSpPr>
+        <a:xfrm>
+          <a:off x="0" y="0"/>
+          <a:ext cx="0" cy="0"/>
+          <a:chOff x="0" y="0"/>
+          <a:chExt cx="0" cy="0"/>
+        </a:xfrm>
+      </p:grpSpPr>
+      <p:sp>
+        <p:nvSpPr>
+          <p:cNvPr id="2" name="제목 1">
+            <a:extLst>
+              <a:ext uri="{FF2B5EF4-FFF2-40B4-BE49-F238E27FC236}">
+                <a16:creationId xmlns:a16="http://schemas.microsoft.com/office/drawing/2014/main" id="{FC5F0708-2AD5-45BE-920C-17B288AF1482}"/>
+              </a:ext>
+            </a:extLst>
+          </p:cNvPr>
+          <p:cNvSpPr>
+            <a:spLocks noGrp="1"/>
+          </p:cNvSpPr>
+          <p:nvPr>
+            <p:ph type="title"/>
+          </p:nvPr>
+        </p:nvSpPr>
+        <p:spPr/>
+        <p:txBody>
+          <a:bodyPr/>
+          <a:lstStyle/>
+          <a:p>
+            <a:r>
+              <a:rPr lang="en-US" altLang="ko-KR" dirty="0"/>
+              <a:t>TCGA colon data</a:t>
+            </a:r>
+            <a:endParaRPr lang="ko-KR" altLang="en-US" dirty="0"/>
+          </a:p>
+        </p:txBody>
+      </p:sp>
+      <p:pic>
+        <p:nvPicPr>
+          <p:cNvPr id="4" name="내용 개체 틀 3">
+            <a:extLst>
+              <a:ext uri="{FF2B5EF4-FFF2-40B4-BE49-F238E27FC236}">
+                <a16:creationId xmlns:a16="http://schemas.microsoft.com/office/drawing/2014/main" id="{62167D27-BCD8-4177-A537-FDB6A193E1D6}"/>
+              </a:ext>
+            </a:extLst>
+          </p:cNvPr>
+          <p:cNvPicPr>
+            <a:picLocks noGrp="1" noChangeAspect="1"/>
+          </p:cNvPicPr>
+          <p:nvPr>
+            <p:ph idx="1"/>
+          </p:nvPr>
+        </p:nvPicPr>
+        <p:blipFill>
+          <a:blip r:embed="rId2"/>
+          <a:stretch>
+            <a:fillRect/>
+          </a:stretch>
+        </p:blipFill>
+        <p:spPr>
+          <a:xfrm>
+            <a:off x="-1" y="1526479"/>
+            <a:ext cx="6088547" cy="4566411"/>
+          </a:xfrm>
+          <a:prstGeom prst="rect">
+            <a:avLst/>
+          </a:prstGeom>
+        </p:spPr>
+      </p:pic>
+      <p:pic>
+        <p:nvPicPr>
+          <p:cNvPr id="5" name="그림 4">
+            <a:extLst>
+              <a:ext uri="{FF2B5EF4-FFF2-40B4-BE49-F238E27FC236}">
+                <a16:creationId xmlns:a16="http://schemas.microsoft.com/office/drawing/2014/main" id="{9E669DB4-42AC-4B26-8520-9A7381CAA6FF}"/>
+              </a:ext>
+            </a:extLst>
+          </p:cNvPr>
+          <p:cNvPicPr>
+            <a:picLocks noChangeAspect="1"/>
+          </p:cNvPicPr>
+          <p:nvPr/>
+        </p:nvPicPr>
+        <p:blipFill>
+          <a:blip r:embed="rId3"/>
+          <a:stretch>
+            <a:fillRect/>
+          </a:stretch>
+        </p:blipFill>
+        <p:spPr>
+          <a:xfrm>
+            <a:off x="6096000" y="1526478"/>
+            <a:ext cx="6088546" cy="4566410"/>
+          </a:xfrm>
+          <a:prstGeom prst="rect">
+            <a:avLst/>
+          </a:prstGeom>
+        </p:spPr>
+      </p:pic>
+    </p:spTree>
+    <p:extLst>
+      <p:ext uri="{BB962C8B-B14F-4D97-AF65-F5344CB8AC3E}">
+        <p14:creationId xmlns:p14="http://schemas.microsoft.com/office/powerpoint/2010/main" val="3565299500"/>
+      </p:ext>
+    </p:extLst>
+  </p:cSld>
+  <p:clrMapOvr>
+    <a:masterClrMapping/>
+  </p:clrMapOvr>
+</p:sld>
+</file>
+
+<file path=ppt/slides/slide13.xml><?xml version="1.0" encoding="utf-8"?>
+<p:sld xmlns:a="http://schemas.openxmlformats.org/drawingml/2006/main" xmlns:r="http://schemas.openxmlformats.org/officeDocument/2006/relationships" xmlns:p="http://schemas.openxmlformats.org/presentationml/2006/main">
+  <p:cSld>
+    <p:spTree>
+      <p:nvGrpSpPr>
+        <p:cNvPr id="1" name=""/>
+        <p:cNvGrpSpPr/>
+        <p:nvPr/>
+      </p:nvGrpSpPr>
+      <p:grpSpPr>
+        <a:xfrm>
+          <a:off x="0" y="0"/>
+          <a:ext cx="0" cy="0"/>
+          <a:chOff x="0" y="0"/>
+          <a:chExt cx="0" cy="0"/>
+        </a:xfrm>
+      </p:grpSpPr>
+      <p:sp>
+        <p:nvSpPr>
+          <p:cNvPr id="2" name="제목 1">
+            <a:extLst>
+              <a:ext uri="{FF2B5EF4-FFF2-40B4-BE49-F238E27FC236}">
+                <a16:creationId xmlns:a16="http://schemas.microsoft.com/office/drawing/2014/main" id="{FC5F0708-2AD5-45BE-920C-17B288AF1482}"/>
+              </a:ext>
+            </a:extLst>
+          </p:cNvPr>
+          <p:cNvSpPr>
+            <a:spLocks noGrp="1"/>
+          </p:cNvSpPr>
+          <p:nvPr>
+            <p:ph type="title"/>
+          </p:nvPr>
+        </p:nvSpPr>
+        <p:spPr/>
+        <p:txBody>
+          <a:bodyPr/>
+          <a:lstStyle/>
+          <a:p>
+            <a:r>
+              <a:rPr lang="en-US" altLang="ko-KR" dirty="0"/>
+              <a:t>TCGA colon data</a:t>
+            </a:r>
+            <a:endParaRPr lang="ko-KR" altLang="en-US" dirty="0"/>
+          </a:p>
+        </p:txBody>
+      </p:sp>
+      <p:pic>
+        <p:nvPicPr>
+          <p:cNvPr id="4" name="그림 3">
+            <a:extLst>
+              <a:ext uri="{FF2B5EF4-FFF2-40B4-BE49-F238E27FC236}">
+                <a16:creationId xmlns:a16="http://schemas.microsoft.com/office/drawing/2014/main" id="{6B111861-43A4-4FCF-93A8-89F1F38318C2}"/>
+              </a:ext>
+            </a:extLst>
+          </p:cNvPr>
+          <p:cNvPicPr>
+            <a:picLocks noChangeAspect="1"/>
+          </p:cNvPicPr>
+          <p:nvPr/>
+        </p:nvPicPr>
+        <p:blipFill>
+          <a:blip r:embed="rId2"/>
+          <a:stretch>
+            <a:fillRect/>
+          </a:stretch>
+        </p:blipFill>
+        <p:spPr>
+          <a:xfrm>
+            <a:off x="2497494" y="1187320"/>
+            <a:ext cx="7197012" cy="5397760"/>
+          </a:xfrm>
+          <a:prstGeom prst="rect">
+            <a:avLst/>
+          </a:prstGeom>
+        </p:spPr>
+      </p:pic>
+    </p:spTree>
+    <p:extLst>
+      <p:ext uri="{BB962C8B-B14F-4D97-AF65-F5344CB8AC3E}">
+        <p14:creationId xmlns:p14="http://schemas.microsoft.com/office/powerpoint/2010/main" val="261764618"/>
+      </p:ext>
+    </p:extLst>
+  </p:cSld>
+  <p:clrMapOvr>
+    <a:masterClrMapping/>
+  </p:clrMapOvr>
+</p:sld>
+</file>
+
+<file path=ppt/slides/slide14.xml><?xml version="1.0" encoding="utf-8"?>
+<p:sld xmlns:a="http://schemas.openxmlformats.org/drawingml/2006/main" xmlns:r="http://schemas.openxmlformats.org/officeDocument/2006/relationships" xmlns:p="http://schemas.openxmlformats.org/presentationml/2006/main">
+  <p:cSld>
+    <p:spTree>
+      <p:nvGrpSpPr>
+        <p:cNvPr id="1" name=""/>
+        <p:cNvGrpSpPr/>
+        <p:nvPr/>
+      </p:nvGrpSpPr>
+      <p:grpSpPr>
+        <a:xfrm>
+          <a:off x="0" y="0"/>
+          <a:ext cx="0" cy="0"/>
+          <a:chOff x="0" y="0"/>
+          <a:chExt cx="0" cy="0"/>
+        </a:xfrm>
+      </p:grpSpPr>
+      <p:sp>
+        <p:nvSpPr>
+          <p:cNvPr id="2" name="제목 1">
+            <a:extLst>
+              <a:ext uri="{FF2B5EF4-FFF2-40B4-BE49-F238E27FC236}">
+                <a16:creationId xmlns:a16="http://schemas.microsoft.com/office/drawing/2014/main" id="{FC5F0708-2AD5-45BE-920C-17B288AF1482}"/>
+              </a:ext>
+            </a:extLst>
+          </p:cNvPr>
+          <p:cNvSpPr>
+            <a:spLocks noGrp="1"/>
+          </p:cNvSpPr>
+          <p:nvPr>
+            <p:ph type="title"/>
+          </p:nvPr>
+        </p:nvSpPr>
+        <p:spPr/>
+        <p:txBody>
+          <a:bodyPr/>
+          <a:lstStyle/>
+          <a:p>
+            <a:r>
+              <a:rPr lang="en-US" altLang="ko-KR" dirty="0"/>
+              <a:t>TCGA colon data</a:t>
+            </a:r>
+            <a:endParaRPr lang="ko-KR" altLang="en-US" dirty="0"/>
+          </a:p>
+        </p:txBody>
+      </p:sp>
+      <p:pic>
+        <p:nvPicPr>
+          <p:cNvPr id="5" name="그림 4">
+            <a:extLst>
+              <a:ext uri="{FF2B5EF4-FFF2-40B4-BE49-F238E27FC236}">
+                <a16:creationId xmlns:a16="http://schemas.microsoft.com/office/drawing/2014/main" id="{8F1EF31B-57B1-4722-BFA5-C646C238BC6A}"/>
+              </a:ext>
+            </a:extLst>
+          </p:cNvPr>
+          <p:cNvPicPr>
+            <a:picLocks noChangeAspect="1"/>
+          </p:cNvPicPr>
+          <p:nvPr/>
+        </p:nvPicPr>
+        <p:blipFill>
+          <a:blip r:embed="rId2"/>
+          <a:stretch>
+            <a:fillRect/>
+          </a:stretch>
+        </p:blipFill>
+        <p:spPr>
+          <a:xfrm>
+            <a:off x="6096000" y="1894113"/>
+            <a:ext cx="5865587" cy="3984173"/>
+          </a:xfrm>
+          <a:prstGeom prst="rect">
+            <a:avLst/>
+          </a:prstGeom>
+        </p:spPr>
+      </p:pic>
+      <p:pic>
+        <p:nvPicPr>
+          <p:cNvPr id="6" name="그림 5">
+            <a:extLst>
+              <a:ext uri="{FF2B5EF4-FFF2-40B4-BE49-F238E27FC236}">
+                <a16:creationId xmlns:a16="http://schemas.microsoft.com/office/drawing/2014/main" id="{12EAAA86-8826-40D2-9150-D8B810CC115D}"/>
+              </a:ext>
+            </a:extLst>
+          </p:cNvPr>
+          <p:cNvPicPr>
+            <a:picLocks noChangeAspect="1"/>
+          </p:cNvPicPr>
+          <p:nvPr/>
+        </p:nvPicPr>
+        <p:blipFill>
+          <a:blip r:embed="rId3"/>
+          <a:stretch>
+            <a:fillRect/>
+          </a:stretch>
+        </p:blipFill>
+        <p:spPr>
+          <a:xfrm>
+            <a:off x="230413" y="1894113"/>
+            <a:ext cx="5865587" cy="3984173"/>
+          </a:xfrm>
+          <a:prstGeom prst="rect">
+            <a:avLst/>
+          </a:prstGeom>
+        </p:spPr>
+      </p:pic>
+    </p:spTree>
+    <p:extLst>
+      <p:ext uri="{BB962C8B-B14F-4D97-AF65-F5344CB8AC3E}">
+        <p14:creationId xmlns:p14="http://schemas.microsoft.com/office/powerpoint/2010/main" val="544942689"/>
+      </p:ext>
+    </p:extLst>
+  </p:cSld>
+  <p:clrMapOvr>
+    <a:masterClrMapping/>
+  </p:clrMapOvr>
+</p:sld>
+</file>
+
+<file path=ppt/slides/slide15.xml><?xml version="1.0" encoding="utf-8"?>
+<p:sld xmlns:a="http://schemas.openxmlformats.org/drawingml/2006/main" xmlns:r="http://schemas.openxmlformats.org/officeDocument/2006/relationships" xmlns:p="http://schemas.openxmlformats.org/presentationml/2006/main">
+  <p:cSld>
+    <p:spTree>
+      <p:nvGrpSpPr>
+        <p:cNvPr id="1" name=""/>
+        <p:cNvGrpSpPr/>
+        <p:nvPr/>
+      </p:nvGrpSpPr>
+      <p:grpSpPr>
+        <a:xfrm>
+          <a:off x="0" y="0"/>
+          <a:ext cx="0" cy="0"/>
+          <a:chOff x="0" y="0"/>
+          <a:chExt cx="0" cy="0"/>
+        </a:xfrm>
+      </p:grpSpPr>
+      <p:sp>
+        <p:nvSpPr>
+          <p:cNvPr id="2" name="제목 1">
+            <a:extLst>
+              <a:ext uri="{FF2B5EF4-FFF2-40B4-BE49-F238E27FC236}">
+                <a16:creationId xmlns:a16="http://schemas.microsoft.com/office/drawing/2014/main" id="{FC5F0708-2AD5-45BE-920C-17B288AF1482}"/>
+              </a:ext>
+            </a:extLst>
+          </p:cNvPr>
+          <p:cNvSpPr>
+            <a:spLocks noGrp="1"/>
+          </p:cNvSpPr>
+          <p:nvPr>
+            <p:ph type="title"/>
+          </p:nvPr>
+        </p:nvSpPr>
+        <p:spPr/>
+        <p:txBody>
+          <a:bodyPr/>
+          <a:lstStyle/>
+          <a:p>
+            <a:r>
+              <a:rPr lang="en-US" altLang="ko-KR" dirty="0"/>
+              <a:t>TCGA colon data</a:t>
+            </a:r>
+            <a:endParaRPr lang="ko-KR" altLang="en-US" dirty="0"/>
+          </a:p>
+        </p:txBody>
+      </p:sp>
+      <p:pic>
+        <p:nvPicPr>
+          <p:cNvPr id="3" name="그림 2">
+            <a:extLst>
+              <a:ext uri="{FF2B5EF4-FFF2-40B4-BE49-F238E27FC236}">
+                <a16:creationId xmlns:a16="http://schemas.microsoft.com/office/drawing/2014/main" id="{5E0BE017-DAD1-4F94-82C1-D56B00067E0B}"/>
+              </a:ext>
+            </a:extLst>
+          </p:cNvPr>
+          <p:cNvPicPr>
+            <a:picLocks noChangeAspect="1"/>
+          </p:cNvPicPr>
+          <p:nvPr/>
+        </p:nvPicPr>
+        <p:blipFill>
+          <a:blip r:embed="rId2"/>
+          <a:stretch>
+            <a:fillRect/>
+          </a:stretch>
+        </p:blipFill>
+        <p:spPr>
+          <a:xfrm>
+            <a:off x="500868" y="2202859"/>
+            <a:ext cx="4954429" cy="3365273"/>
+          </a:xfrm>
+          <a:prstGeom prst="rect">
+            <a:avLst/>
+          </a:prstGeom>
+        </p:spPr>
+      </p:pic>
+      <p:pic>
+        <p:nvPicPr>
+          <p:cNvPr id="4" name="그림 3">
+            <a:extLst>
+              <a:ext uri="{FF2B5EF4-FFF2-40B4-BE49-F238E27FC236}">
+                <a16:creationId xmlns:a16="http://schemas.microsoft.com/office/drawing/2014/main" id="{92B687C8-0DC5-48F6-A4A1-08413FF45B8F}"/>
+              </a:ext>
+            </a:extLst>
+          </p:cNvPr>
+          <p:cNvPicPr>
+            <a:picLocks noChangeAspect="1"/>
+          </p:cNvPicPr>
+          <p:nvPr/>
+        </p:nvPicPr>
+        <p:blipFill>
+          <a:blip r:embed="rId3"/>
+          <a:stretch>
+            <a:fillRect/>
+          </a:stretch>
+        </p:blipFill>
+        <p:spPr>
+          <a:xfrm>
+            <a:off x="6399371" y="2202858"/>
+            <a:ext cx="4954429" cy="3365273"/>
+          </a:xfrm>
+          <a:prstGeom prst="rect">
+            <a:avLst/>
+          </a:prstGeom>
+        </p:spPr>
+      </p:pic>
+    </p:spTree>
+    <p:extLst>
+      <p:ext uri="{BB962C8B-B14F-4D97-AF65-F5344CB8AC3E}">
+        <p14:creationId xmlns:p14="http://schemas.microsoft.com/office/powerpoint/2010/main" val="3645948501"/>
+      </p:ext>
+    </p:extLst>
+  </p:cSld>
+  <p:clrMapOvr>
+    <a:masterClrMapping/>
+  </p:clrMapOvr>
+</p:sld>
+</file>
+
 <file path=ppt/slides/slide2.xml><?xml version="1.0" encoding="utf-8"?>
+<p:sld xmlns:a="http://schemas.openxmlformats.org/drawingml/2006/main" xmlns:r="http://schemas.openxmlformats.org/officeDocument/2006/relationships" xmlns:p="http://schemas.openxmlformats.org/presentationml/2006/main">
+  <p:cSld>
+    <p:spTree>
+      <p:nvGrpSpPr>
+        <p:cNvPr id="1" name=""/>
+        <p:cNvGrpSpPr/>
+        <p:nvPr/>
+      </p:nvGrpSpPr>
+      <p:grpSpPr>
+        <a:xfrm>
+          <a:off x="0" y="0"/>
+          <a:ext cx="0" cy="0"/>
+          <a:chOff x="0" y="0"/>
+          <a:chExt cx="0" cy="0"/>
+        </a:xfrm>
+      </p:grpSpPr>
+      <p:sp>
+        <p:nvSpPr>
+          <p:cNvPr id="2" name="제목 1">
+            <a:extLst>
+              <a:ext uri="{FF2B5EF4-FFF2-40B4-BE49-F238E27FC236}">
+                <a16:creationId xmlns:a16="http://schemas.microsoft.com/office/drawing/2014/main" id="{FC5F0708-2AD5-45BE-920C-17B288AF1482}"/>
+              </a:ext>
+            </a:extLst>
+          </p:cNvPr>
+          <p:cNvSpPr>
+            <a:spLocks noGrp="1"/>
+          </p:cNvSpPr>
+          <p:nvPr>
+            <p:ph type="title"/>
+          </p:nvPr>
+        </p:nvSpPr>
+        <p:spPr/>
+        <p:txBody>
+          <a:bodyPr/>
+          <a:lstStyle/>
+          <a:p>
+            <a:r>
+              <a:rPr lang="en-US" altLang="ko-KR" dirty="0"/>
+              <a:t>Korean rectal data</a:t>
+            </a:r>
+            <a:endParaRPr lang="ko-KR" altLang="en-US" dirty="0"/>
+          </a:p>
+        </p:txBody>
+      </p:sp>
+    </p:spTree>
+    <p:extLst>
+      <p:ext uri="{BB962C8B-B14F-4D97-AF65-F5344CB8AC3E}">
+        <p14:creationId xmlns:p14="http://schemas.microsoft.com/office/powerpoint/2010/main" val="373206712"/>
+      </p:ext>
+    </p:extLst>
+  </p:cSld>
+  <p:clrMapOvr>
+    <a:masterClrMapping/>
+  </p:clrMapOvr>
+</p:sld>
+</file>
+
+<file path=ppt/slides/slide3.xml><?xml version="1.0" encoding="utf-8"?>
+<p:sld xmlns:a="http://schemas.openxmlformats.org/drawingml/2006/main" xmlns:r="http://schemas.openxmlformats.org/officeDocument/2006/relationships" xmlns:p="http://schemas.openxmlformats.org/presentationml/2006/main">
+  <p:cSld>
+    <p:spTree>
+      <p:nvGrpSpPr>
+        <p:cNvPr id="1" name=""/>
+        <p:cNvGrpSpPr/>
+        <p:nvPr/>
+      </p:nvGrpSpPr>
+      <p:grpSpPr>
+        <a:xfrm>
+          <a:off x="0" y="0"/>
+          <a:ext cx="0" cy="0"/>
+          <a:chOff x="0" y="0"/>
+          <a:chExt cx="0" cy="0"/>
+        </a:xfrm>
+      </p:grpSpPr>
+      <p:sp>
+        <p:nvSpPr>
+          <p:cNvPr id="2" name="제목 1">
+            <a:extLst>
+              <a:ext uri="{FF2B5EF4-FFF2-40B4-BE49-F238E27FC236}">
+                <a16:creationId xmlns:a16="http://schemas.microsoft.com/office/drawing/2014/main" id="{FC5F0708-2AD5-45BE-920C-17B288AF1482}"/>
+              </a:ext>
+            </a:extLst>
+          </p:cNvPr>
+          <p:cNvSpPr>
+            <a:spLocks noGrp="1"/>
+          </p:cNvSpPr>
+          <p:nvPr>
+            <p:ph type="title"/>
+          </p:nvPr>
+        </p:nvSpPr>
+        <p:spPr/>
+        <p:txBody>
+          <a:bodyPr/>
+          <a:lstStyle/>
+          <a:p>
+            <a:r>
+              <a:rPr lang="en-US" altLang="ko-KR" dirty="0"/>
+              <a:t>Korean rectal data</a:t>
+            </a:r>
+            <a:endParaRPr lang="ko-KR" altLang="en-US" dirty="0"/>
+          </a:p>
+        </p:txBody>
+      </p:sp>
+      <p:pic>
+        <p:nvPicPr>
+          <p:cNvPr id="4" name="그림 3">
+            <a:extLst>
+              <a:ext uri="{FF2B5EF4-FFF2-40B4-BE49-F238E27FC236}">
+                <a16:creationId xmlns:a16="http://schemas.microsoft.com/office/drawing/2014/main" id="{EE4B693C-7C9C-4EEB-974A-DF7334B521F1}"/>
+              </a:ext>
+            </a:extLst>
+          </p:cNvPr>
+          <p:cNvPicPr>
+            <a:picLocks noChangeAspect="1"/>
+          </p:cNvPicPr>
+          <p:nvPr/>
+        </p:nvPicPr>
+        <p:blipFill>
+          <a:blip r:embed="rId2"/>
+          <a:stretch>
+            <a:fillRect/>
+          </a:stretch>
+        </p:blipFill>
+        <p:spPr>
+          <a:xfrm>
+            <a:off x="183628" y="1825625"/>
+            <a:ext cx="6058425" cy="4115157"/>
+          </a:xfrm>
+          <a:prstGeom prst="rect">
+            <a:avLst/>
+          </a:prstGeom>
+        </p:spPr>
+      </p:pic>
+      <p:pic>
+        <p:nvPicPr>
+          <p:cNvPr id="5" name="그림 4">
+            <a:extLst>
+              <a:ext uri="{FF2B5EF4-FFF2-40B4-BE49-F238E27FC236}">
+                <a16:creationId xmlns:a16="http://schemas.microsoft.com/office/drawing/2014/main" id="{BE20BBD1-FDEA-45B7-A793-EB37A7366DBD}"/>
+              </a:ext>
+            </a:extLst>
+          </p:cNvPr>
+          <p:cNvPicPr>
+            <a:picLocks noChangeAspect="1"/>
+          </p:cNvPicPr>
+          <p:nvPr/>
+        </p:nvPicPr>
+        <p:blipFill>
+          <a:blip r:embed="rId3"/>
+          <a:stretch>
+            <a:fillRect/>
+          </a:stretch>
+        </p:blipFill>
+        <p:spPr>
+          <a:xfrm>
+            <a:off x="5921955" y="1723345"/>
+            <a:ext cx="6058425" cy="4115157"/>
+          </a:xfrm>
+          <a:prstGeom prst="rect">
+            <a:avLst/>
+          </a:prstGeom>
+        </p:spPr>
+      </p:pic>
+    </p:spTree>
+    <p:extLst>
+      <p:ext uri="{BB962C8B-B14F-4D97-AF65-F5344CB8AC3E}">
+        <p14:creationId xmlns:p14="http://schemas.microsoft.com/office/powerpoint/2010/main" val="1899164888"/>
+      </p:ext>
+    </p:extLst>
+  </p:cSld>
+  <p:clrMapOvr>
+    <a:masterClrMapping/>
+  </p:clrMapOvr>
+</p:sld>
+</file>
+
+<file path=ppt/slides/slide4.xml><?xml version="1.0" encoding="utf-8"?>
 <p:sld xmlns:a="http://schemas.openxmlformats.org/drawingml/2006/main" xmlns:r="http://schemas.openxmlformats.org/officeDocument/2006/relationships" xmlns:p="http://schemas.openxmlformats.org/presentationml/2006/main">
   <p:cSld>
     <p:spTree>
@@ -3529,6 +4402,536 @@
     <p:extLst>
       <p:ext uri="{BB962C8B-B14F-4D97-AF65-F5344CB8AC3E}">
         <p14:creationId xmlns:p14="http://schemas.microsoft.com/office/powerpoint/2010/main" val="3401932083"/>
+      </p:ext>
+    </p:extLst>
+  </p:cSld>
+  <p:clrMapOvr>
+    <a:masterClrMapping/>
+  </p:clrMapOvr>
+</p:sld>
+</file>
+
+<file path=ppt/slides/slide5.xml><?xml version="1.0" encoding="utf-8"?>
+<p:sld xmlns:a="http://schemas.openxmlformats.org/drawingml/2006/main" xmlns:r="http://schemas.openxmlformats.org/officeDocument/2006/relationships" xmlns:p="http://schemas.openxmlformats.org/presentationml/2006/main">
+  <p:cSld>
+    <p:spTree>
+      <p:nvGrpSpPr>
+        <p:cNvPr id="1" name=""/>
+        <p:cNvGrpSpPr/>
+        <p:nvPr/>
+      </p:nvGrpSpPr>
+      <p:grpSpPr>
+        <a:xfrm>
+          <a:off x="0" y="0"/>
+          <a:ext cx="0" cy="0"/>
+          <a:chOff x="0" y="0"/>
+          <a:chExt cx="0" cy="0"/>
+        </a:xfrm>
+      </p:grpSpPr>
+      <p:sp>
+        <p:nvSpPr>
+          <p:cNvPr id="2" name="제목 1">
+            <a:extLst>
+              <a:ext uri="{FF2B5EF4-FFF2-40B4-BE49-F238E27FC236}">
+                <a16:creationId xmlns:a16="http://schemas.microsoft.com/office/drawing/2014/main" id="{FC5F0708-2AD5-45BE-920C-17B288AF1482}"/>
+              </a:ext>
+            </a:extLst>
+          </p:cNvPr>
+          <p:cNvSpPr>
+            <a:spLocks noGrp="1"/>
+          </p:cNvSpPr>
+          <p:nvPr>
+            <p:ph type="title"/>
+          </p:nvPr>
+        </p:nvSpPr>
+        <p:spPr/>
+        <p:txBody>
+          <a:bodyPr/>
+          <a:lstStyle/>
+          <a:p>
+            <a:r>
+              <a:rPr lang="en-US" altLang="ko-KR" dirty="0"/>
+              <a:t>Korean rectal data</a:t>
+            </a:r>
+            <a:endParaRPr lang="ko-KR" altLang="en-US" dirty="0"/>
+          </a:p>
+        </p:txBody>
+      </p:sp>
+      <p:pic>
+        <p:nvPicPr>
+          <p:cNvPr id="7" name="그림 6">
+            <a:extLst>
+              <a:ext uri="{FF2B5EF4-FFF2-40B4-BE49-F238E27FC236}">
+                <a16:creationId xmlns:a16="http://schemas.microsoft.com/office/drawing/2014/main" id="{F41AF5D1-F9F5-4C0F-B834-F916E0A7E953}"/>
+              </a:ext>
+            </a:extLst>
+          </p:cNvPr>
+          <p:cNvPicPr>
+            <a:picLocks noChangeAspect="1"/>
+          </p:cNvPicPr>
+          <p:nvPr/>
+        </p:nvPicPr>
+        <p:blipFill>
+          <a:blip r:embed="rId2"/>
+          <a:stretch>
+            <a:fillRect/>
+          </a:stretch>
+        </p:blipFill>
+        <p:spPr>
+          <a:xfrm>
+            <a:off x="0" y="1931258"/>
+            <a:ext cx="6058425" cy="4115157"/>
+          </a:xfrm>
+          <a:prstGeom prst="rect">
+            <a:avLst/>
+          </a:prstGeom>
+        </p:spPr>
+      </p:pic>
+      <p:pic>
+        <p:nvPicPr>
+          <p:cNvPr id="8" name="그림 7">
+            <a:extLst>
+              <a:ext uri="{FF2B5EF4-FFF2-40B4-BE49-F238E27FC236}">
+                <a16:creationId xmlns:a16="http://schemas.microsoft.com/office/drawing/2014/main" id="{00812FD0-930F-4225-BCB7-CFB55FF8570F}"/>
+              </a:ext>
+            </a:extLst>
+          </p:cNvPr>
+          <p:cNvPicPr>
+            <a:picLocks noChangeAspect="1"/>
+          </p:cNvPicPr>
+          <p:nvPr/>
+        </p:nvPicPr>
+        <p:blipFill>
+          <a:blip r:embed="rId3"/>
+          <a:stretch>
+            <a:fillRect/>
+          </a:stretch>
+        </p:blipFill>
+        <p:spPr>
+          <a:xfrm>
+            <a:off x="5987269" y="1931258"/>
+            <a:ext cx="6058425" cy="4115157"/>
+          </a:xfrm>
+          <a:prstGeom prst="rect">
+            <a:avLst/>
+          </a:prstGeom>
+        </p:spPr>
+      </p:pic>
+    </p:spTree>
+    <p:extLst>
+      <p:ext uri="{BB962C8B-B14F-4D97-AF65-F5344CB8AC3E}">
+        <p14:creationId xmlns:p14="http://schemas.microsoft.com/office/powerpoint/2010/main" val="3363503003"/>
+      </p:ext>
+    </p:extLst>
+  </p:cSld>
+  <p:clrMapOvr>
+    <a:masterClrMapping/>
+  </p:clrMapOvr>
+</p:sld>
+</file>
+
+<file path=ppt/slides/slide6.xml><?xml version="1.0" encoding="utf-8"?>
+<p:sld xmlns:a="http://schemas.openxmlformats.org/drawingml/2006/main" xmlns:r="http://schemas.openxmlformats.org/officeDocument/2006/relationships" xmlns:p="http://schemas.openxmlformats.org/presentationml/2006/main">
+  <p:cSld>
+    <p:spTree>
+      <p:nvGrpSpPr>
+        <p:cNvPr id="1" name=""/>
+        <p:cNvGrpSpPr/>
+        <p:nvPr/>
+      </p:nvGrpSpPr>
+      <p:grpSpPr>
+        <a:xfrm>
+          <a:off x="0" y="0"/>
+          <a:ext cx="0" cy="0"/>
+          <a:chOff x="0" y="0"/>
+          <a:chExt cx="0" cy="0"/>
+        </a:xfrm>
+      </p:grpSpPr>
+      <p:sp>
+        <p:nvSpPr>
+          <p:cNvPr id="2" name="제목 1">
+            <a:extLst>
+              <a:ext uri="{FF2B5EF4-FFF2-40B4-BE49-F238E27FC236}">
+                <a16:creationId xmlns:a16="http://schemas.microsoft.com/office/drawing/2014/main" id="{FC5F0708-2AD5-45BE-920C-17B288AF1482}"/>
+              </a:ext>
+            </a:extLst>
+          </p:cNvPr>
+          <p:cNvSpPr>
+            <a:spLocks noGrp="1"/>
+          </p:cNvSpPr>
+          <p:nvPr>
+            <p:ph type="title"/>
+          </p:nvPr>
+        </p:nvSpPr>
+        <p:spPr/>
+        <p:txBody>
+          <a:bodyPr/>
+          <a:lstStyle/>
+          <a:p>
+            <a:r>
+              <a:rPr lang="en-US" altLang="ko-KR" dirty="0"/>
+              <a:t>TCGA rectal data</a:t>
+            </a:r>
+            <a:endParaRPr lang="ko-KR" altLang="en-US" dirty="0"/>
+          </a:p>
+        </p:txBody>
+      </p:sp>
+      <p:sp>
+        <p:nvSpPr>
+          <p:cNvPr id="7" name="내용 개체 틀 6">
+            <a:extLst>
+              <a:ext uri="{FF2B5EF4-FFF2-40B4-BE49-F238E27FC236}">
+                <a16:creationId xmlns:a16="http://schemas.microsoft.com/office/drawing/2014/main" id="{17E28C09-A241-452C-95AA-28BF8FAA3026}"/>
+              </a:ext>
+            </a:extLst>
+          </p:cNvPr>
+          <p:cNvSpPr>
+            <a:spLocks noGrp="1"/>
+          </p:cNvSpPr>
+          <p:nvPr>
+            <p:ph idx="1"/>
+          </p:nvPr>
+        </p:nvSpPr>
+        <p:spPr/>
+        <p:txBody>
+          <a:bodyPr/>
+          <a:lstStyle/>
+          <a:p>
+            <a:endParaRPr lang="ko-KR" altLang="en-US"/>
+          </a:p>
+        </p:txBody>
+      </p:sp>
+    </p:spTree>
+    <p:extLst>
+      <p:ext uri="{BB962C8B-B14F-4D97-AF65-F5344CB8AC3E}">
+        <p14:creationId xmlns:p14="http://schemas.microsoft.com/office/powerpoint/2010/main" val="4099724301"/>
+      </p:ext>
+    </p:extLst>
+  </p:cSld>
+  <p:clrMapOvr>
+    <a:masterClrMapping/>
+  </p:clrMapOvr>
+</p:sld>
+</file>
+
+<file path=ppt/slides/slide7.xml><?xml version="1.0" encoding="utf-8"?>
+<p:sld xmlns:a="http://schemas.openxmlformats.org/drawingml/2006/main" xmlns:r="http://schemas.openxmlformats.org/officeDocument/2006/relationships" xmlns:p="http://schemas.openxmlformats.org/presentationml/2006/main">
+  <p:cSld>
+    <p:spTree>
+      <p:nvGrpSpPr>
+        <p:cNvPr id="1" name=""/>
+        <p:cNvGrpSpPr/>
+        <p:nvPr/>
+      </p:nvGrpSpPr>
+      <p:grpSpPr>
+        <a:xfrm>
+          <a:off x="0" y="0"/>
+          <a:ext cx="0" cy="0"/>
+          <a:chOff x="0" y="0"/>
+          <a:chExt cx="0" cy="0"/>
+        </a:xfrm>
+      </p:grpSpPr>
+      <p:sp>
+        <p:nvSpPr>
+          <p:cNvPr id="2" name="제목 1">
+            <a:extLst>
+              <a:ext uri="{FF2B5EF4-FFF2-40B4-BE49-F238E27FC236}">
+                <a16:creationId xmlns:a16="http://schemas.microsoft.com/office/drawing/2014/main" id="{FC5F0708-2AD5-45BE-920C-17B288AF1482}"/>
+              </a:ext>
+            </a:extLst>
+          </p:cNvPr>
+          <p:cNvSpPr>
+            <a:spLocks noGrp="1"/>
+          </p:cNvSpPr>
+          <p:nvPr>
+            <p:ph type="title"/>
+          </p:nvPr>
+        </p:nvSpPr>
+        <p:spPr/>
+        <p:txBody>
+          <a:bodyPr/>
+          <a:lstStyle/>
+          <a:p>
+            <a:r>
+              <a:rPr lang="en-US" altLang="ko-KR" dirty="0"/>
+              <a:t>TCGA rectal data</a:t>
+            </a:r>
+            <a:endParaRPr lang="ko-KR" altLang="en-US" dirty="0"/>
+          </a:p>
+        </p:txBody>
+      </p:sp>
+      <p:pic>
+        <p:nvPicPr>
+          <p:cNvPr id="8" name="그림 7">
+            <a:extLst>
+              <a:ext uri="{FF2B5EF4-FFF2-40B4-BE49-F238E27FC236}">
+                <a16:creationId xmlns:a16="http://schemas.microsoft.com/office/drawing/2014/main" id="{D4952C25-84B8-4B43-9FE6-AD9F83E7D7FB}"/>
+              </a:ext>
+            </a:extLst>
+          </p:cNvPr>
+          <p:cNvPicPr>
+            <a:picLocks noChangeAspect="1"/>
+          </p:cNvPicPr>
+          <p:nvPr/>
+        </p:nvPicPr>
+        <p:blipFill>
+          <a:blip r:embed="rId2"/>
+          <a:stretch>
+            <a:fillRect/>
+          </a:stretch>
+        </p:blipFill>
+        <p:spPr>
+          <a:xfrm>
+            <a:off x="183628" y="1781967"/>
+            <a:ext cx="6058425" cy="4115157"/>
+          </a:xfrm>
+          <a:prstGeom prst="rect">
+            <a:avLst/>
+          </a:prstGeom>
+        </p:spPr>
+      </p:pic>
+      <p:pic>
+        <p:nvPicPr>
+          <p:cNvPr id="9" name="그림 8">
+            <a:extLst>
+              <a:ext uri="{FF2B5EF4-FFF2-40B4-BE49-F238E27FC236}">
+                <a16:creationId xmlns:a16="http://schemas.microsoft.com/office/drawing/2014/main" id="{2C00FF68-F6B0-4A19-BDBD-D231F7F1BEF9}"/>
+              </a:ext>
+            </a:extLst>
+          </p:cNvPr>
+          <p:cNvPicPr>
+            <a:picLocks noChangeAspect="1"/>
+          </p:cNvPicPr>
+          <p:nvPr/>
+        </p:nvPicPr>
+        <p:blipFill>
+          <a:blip r:embed="rId3"/>
+          <a:stretch>
+            <a:fillRect/>
+          </a:stretch>
+        </p:blipFill>
+        <p:spPr>
+          <a:xfrm>
+            <a:off x="5949947" y="1781966"/>
+            <a:ext cx="6058425" cy="4115157"/>
+          </a:xfrm>
+          <a:prstGeom prst="rect">
+            <a:avLst/>
+          </a:prstGeom>
+        </p:spPr>
+      </p:pic>
+    </p:spTree>
+    <p:extLst>
+      <p:ext uri="{BB962C8B-B14F-4D97-AF65-F5344CB8AC3E}">
+        <p14:creationId xmlns:p14="http://schemas.microsoft.com/office/powerpoint/2010/main" val="2101786124"/>
+      </p:ext>
+    </p:extLst>
+  </p:cSld>
+  <p:clrMapOvr>
+    <a:masterClrMapping/>
+  </p:clrMapOvr>
+</p:sld>
+</file>
+
+<file path=ppt/slides/slide8.xml><?xml version="1.0" encoding="utf-8"?>
+<p:sld xmlns:a="http://schemas.openxmlformats.org/drawingml/2006/main" xmlns:r="http://schemas.openxmlformats.org/officeDocument/2006/relationships" xmlns:p="http://schemas.openxmlformats.org/presentationml/2006/main">
+  <p:cSld>
+    <p:spTree>
+      <p:nvGrpSpPr>
+        <p:cNvPr id="1" name=""/>
+        <p:cNvGrpSpPr/>
+        <p:nvPr/>
+      </p:nvGrpSpPr>
+      <p:grpSpPr>
+        <a:xfrm>
+          <a:off x="0" y="0"/>
+          <a:ext cx="0" cy="0"/>
+          <a:chOff x="0" y="0"/>
+          <a:chExt cx="0" cy="0"/>
+        </a:xfrm>
+      </p:grpSpPr>
+      <p:sp>
+        <p:nvSpPr>
+          <p:cNvPr id="2" name="제목 1">
+            <a:extLst>
+              <a:ext uri="{FF2B5EF4-FFF2-40B4-BE49-F238E27FC236}">
+                <a16:creationId xmlns:a16="http://schemas.microsoft.com/office/drawing/2014/main" id="{FC5F0708-2AD5-45BE-920C-17B288AF1482}"/>
+              </a:ext>
+            </a:extLst>
+          </p:cNvPr>
+          <p:cNvSpPr>
+            <a:spLocks noGrp="1"/>
+          </p:cNvSpPr>
+          <p:nvPr>
+            <p:ph type="title"/>
+          </p:nvPr>
+        </p:nvSpPr>
+        <p:spPr/>
+        <p:txBody>
+          <a:bodyPr/>
+          <a:lstStyle/>
+          <a:p>
+            <a:r>
+              <a:rPr lang="en-US" altLang="ko-KR" dirty="0"/>
+              <a:t>TCGA rectal data</a:t>
+            </a:r>
+            <a:endParaRPr lang="ko-KR" altLang="en-US" dirty="0"/>
+          </a:p>
+        </p:txBody>
+      </p:sp>
+      <p:pic>
+        <p:nvPicPr>
+          <p:cNvPr id="3" name="그림 2">
+            <a:extLst>
+              <a:ext uri="{FF2B5EF4-FFF2-40B4-BE49-F238E27FC236}">
+                <a16:creationId xmlns:a16="http://schemas.microsoft.com/office/drawing/2014/main" id="{72BACFDE-9831-462A-9CFF-338C1D1D6221}"/>
+              </a:ext>
+            </a:extLst>
+          </p:cNvPr>
+          <p:cNvPicPr>
+            <a:picLocks noChangeAspect="1"/>
+          </p:cNvPicPr>
+          <p:nvPr/>
+        </p:nvPicPr>
+        <p:blipFill>
+          <a:blip r:embed="rId2"/>
+          <a:stretch>
+            <a:fillRect/>
+          </a:stretch>
+        </p:blipFill>
+        <p:spPr>
+          <a:xfrm>
+            <a:off x="2719076" y="1589444"/>
+            <a:ext cx="6753848" cy="4587520"/>
+          </a:xfrm>
+          <a:prstGeom prst="rect">
+            <a:avLst/>
+          </a:prstGeom>
+        </p:spPr>
+      </p:pic>
+    </p:spTree>
+    <p:extLst>
+      <p:ext uri="{BB962C8B-B14F-4D97-AF65-F5344CB8AC3E}">
+        <p14:creationId xmlns:p14="http://schemas.microsoft.com/office/powerpoint/2010/main" val="1946910382"/>
+      </p:ext>
+    </p:extLst>
+  </p:cSld>
+  <p:clrMapOvr>
+    <a:masterClrMapping/>
+  </p:clrMapOvr>
+</p:sld>
+</file>
+
+<file path=ppt/slides/slide9.xml><?xml version="1.0" encoding="utf-8"?>
+<p:sld xmlns:a="http://schemas.openxmlformats.org/drawingml/2006/main" xmlns:r="http://schemas.openxmlformats.org/officeDocument/2006/relationships" xmlns:p="http://schemas.openxmlformats.org/presentationml/2006/main">
+  <p:cSld>
+    <p:spTree>
+      <p:nvGrpSpPr>
+        <p:cNvPr id="1" name=""/>
+        <p:cNvGrpSpPr/>
+        <p:nvPr/>
+      </p:nvGrpSpPr>
+      <p:grpSpPr>
+        <a:xfrm>
+          <a:off x="0" y="0"/>
+          <a:ext cx="0" cy="0"/>
+          <a:chOff x="0" y="0"/>
+          <a:chExt cx="0" cy="0"/>
+        </a:xfrm>
+      </p:grpSpPr>
+      <p:sp>
+        <p:nvSpPr>
+          <p:cNvPr id="2" name="제목 1">
+            <a:extLst>
+              <a:ext uri="{FF2B5EF4-FFF2-40B4-BE49-F238E27FC236}">
+                <a16:creationId xmlns:a16="http://schemas.microsoft.com/office/drawing/2014/main" id="{FC5F0708-2AD5-45BE-920C-17B288AF1482}"/>
+              </a:ext>
+            </a:extLst>
+          </p:cNvPr>
+          <p:cNvSpPr>
+            <a:spLocks noGrp="1"/>
+          </p:cNvSpPr>
+          <p:nvPr>
+            <p:ph type="title"/>
+          </p:nvPr>
+        </p:nvSpPr>
+        <p:spPr/>
+        <p:txBody>
+          <a:bodyPr/>
+          <a:lstStyle/>
+          <a:p>
+            <a:r>
+              <a:rPr lang="en-US" altLang="ko-KR" dirty="0"/>
+              <a:t>TCGA rectal data</a:t>
+            </a:r>
+            <a:endParaRPr lang="ko-KR" altLang="en-US" dirty="0"/>
+          </a:p>
+        </p:txBody>
+      </p:sp>
+      <p:pic>
+        <p:nvPicPr>
+          <p:cNvPr id="3" name="그림 2">
+            <a:extLst>
+              <a:ext uri="{FF2B5EF4-FFF2-40B4-BE49-F238E27FC236}">
+                <a16:creationId xmlns:a16="http://schemas.microsoft.com/office/drawing/2014/main" id="{6714669F-F519-44F3-8785-764D2827BFDF}"/>
+              </a:ext>
+            </a:extLst>
+          </p:cNvPr>
+          <p:cNvPicPr>
+            <a:picLocks noChangeAspect="1"/>
+          </p:cNvPicPr>
+          <p:nvPr/>
+        </p:nvPicPr>
+        <p:blipFill>
+          <a:blip r:embed="rId2"/>
+          <a:stretch>
+            <a:fillRect/>
+          </a:stretch>
+        </p:blipFill>
+        <p:spPr>
+          <a:xfrm>
+            <a:off x="37575" y="1763227"/>
+            <a:ext cx="6058425" cy="4115157"/>
+          </a:xfrm>
+          <a:prstGeom prst="rect">
+            <a:avLst/>
+          </a:prstGeom>
+        </p:spPr>
+      </p:pic>
+      <p:pic>
+        <p:nvPicPr>
+          <p:cNvPr id="4" name="그림 3">
+            <a:extLst>
+              <a:ext uri="{FF2B5EF4-FFF2-40B4-BE49-F238E27FC236}">
+                <a16:creationId xmlns:a16="http://schemas.microsoft.com/office/drawing/2014/main" id="{D12F7D26-E845-44C5-9067-AC5C6E05DD46}"/>
+              </a:ext>
+            </a:extLst>
+          </p:cNvPr>
+          <p:cNvPicPr>
+            <a:picLocks noChangeAspect="1"/>
+          </p:cNvPicPr>
+          <p:nvPr/>
+        </p:nvPicPr>
+        <p:blipFill>
+          <a:blip r:embed="rId3"/>
+          <a:stretch>
+            <a:fillRect/>
+          </a:stretch>
+        </p:blipFill>
+        <p:spPr>
+          <a:xfrm>
+            <a:off x="5987269" y="1763227"/>
+            <a:ext cx="6058425" cy="4115157"/>
+          </a:xfrm>
+          <a:prstGeom prst="rect">
+            <a:avLst/>
+          </a:prstGeom>
+        </p:spPr>
+      </p:pic>
+    </p:spTree>
+    <p:extLst>
+      <p:ext uri="{BB962C8B-B14F-4D97-AF65-F5344CB8AC3E}">
+        <p14:creationId xmlns:p14="http://schemas.microsoft.com/office/powerpoint/2010/main" val="2787699954"/>
       </p:ext>
     </p:extLst>
   </p:cSld>
